--- a/Presentations/MVP/Group 6 MVP Pitch.pptx
+++ b/Presentations/MVP/Group 6 MVP Pitch.pptx
@@ -9,6 +9,7 @@
     <p:sldId id="257" r:id="rId3"/>
     <p:sldId id="258" r:id="rId4"/>
     <p:sldId id="259" r:id="rId5"/>
+    <p:sldId id="260" r:id="rId6"/>
   </p:sldIdLst>
   <p:sldSz cx="12192000" cy="6858000"/>
   <p:notesSz cx="6858000" cy="9144000"/>
@@ -4183,7 +4184,7 @@
           <p:cNvPr id="2" name="Title 1">
             <a:extLst>
               <a:ext uri="{FF2B5EF4-FFF2-40B4-BE49-F238E27FC236}">
-                <a16:creationId xmlns:a16="http://schemas.microsoft.com/office/drawing/2014/main" xmlns="" id="{CB0642C5-E89F-40D9-B744-119A2AB7EFEE}"/>
+                <a16:creationId xmlns="" xmlns:a16="http://schemas.microsoft.com/office/drawing/2014/main" id="{CB0642C5-E89F-40D9-B744-119A2AB7EFEE}"/>
               </a:ext>
             </a:extLst>
           </p:cNvPr>
@@ -4211,7 +4212,7 @@
           <p:cNvPr id="3" name="Content Placeholder 2">
             <a:extLst>
               <a:ext uri="{FF2B5EF4-FFF2-40B4-BE49-F238E27FC236}">
-                <a16:creationId xmlns:a16="http://schemas.microsoft.com/office/drawing/2014/main" xmlns="" id="{84C80AA0-A4E9-433A-9B58-1CD5F4B83989}"/>
+                <a16:creationId xmlns="" xmlns:a16="http://schemas.microsoft.com/office/drawing/2014/main" id="{84C80AA0-A4E9-433A-9B58-1CD5F4B83989}"/>
               </a:ext>
             </a:extLst>
           </p:cNvPr>
@@ -4283,7 +4284,7 @@
           <p:cNvPr id="2" name="Title 1">
             <a:extLst>
               <a:ext uri="{FF2B5EF4-FFF2-40B4-BE49-F238E27FC236}">
-                <a16:creationId xmlns:a16="http://schemas.microsoft.com/office/drawing/2014/main" xmlns="" id="{FA5F11FF-1AAE-4F1A-BD75-B15DDCF68904}"/>
+                <a16:creationId xmlns="" xmlns:a16="http://schemas.microsoft.com/office/drawing/2014/main" id="{FA5F11FF-1AAE-4F1A-BD75-B15DDCF68904}"/>
               </a:ext>
             </a:extLst>
           </p:cNvPr>
@@ -4311,7 +4312,7 @@
           <p:cNvPr id="3" name="Content Placeholder 2">
             <a:extLst>
               <a:ext uri="{FF2B5EF4-FFF2-40B4-BE49-F238E27FC236}">
-                <a16:creationId xmlns:a16="http://schemas.microsoft.com/office/drawing/2014/main" xmlns="" id="{613BE3B3-3F57-414B-AE78-B286360660DF}"/>
+                <a16:creationId xmlns="" xmlns:a16="http://schemas.microsoft.com/office/drawing/2014/main" id="{613BE3B3-3F57-414B-AE78-B286360660DF}"/>
               </a:ext>
             </a:extLst>
           </p:cNvPr>
@@ -4338,6 +4339,202 @@
     <p:extLst>
       <p:ext uri="{BB962C8B-B14F-4D97-AF65-F5344CB8AC3E}">
         <p14:creationId xmlns:p14="http://schemas.microsoft.com/office/powerpoint/2010/main" val="3715243940"/>
+      </p:ext>
+    </p:extLst>
+  </p:cSld>
+  <p:clrMapOvr>
+    <a:masterClrMapping/>
+  </p:clrMapOvr>
+</p:sld>
+</file>
+
+<file path=ppt/slides/slide5.xml><?xml version="1.0" encoding="utf-8"?>
+<p:sld xmlns:a="http://schemas.openxmlformats.org/drawingml/2006/main" xmlns:r="http://schemas.openxmlformats.org/officeDocument/2006/relationships" xmlns:p="http://schemas.openxmlformats.org/presentationml/2006/main">
+  <p:cSld>
+    <p:spTree>
+      <p:nvGrpSpPr>
+        <p:cNvPr id="1" name=""/>
+        <p:cNvGrpSpPr/>
+        <p:nvPr/>
+      </p:nvGrpSpPr>
+      <p:grpSpPr>
+        <a:xfrm>
+          <a:off x="0" y="0"/>
+          <a:ext cx="0" cy="0"/>
+          <a:chOff x="0" y="0"/>
+          <a:chExt cx="0" cy="0"/>
+        </a:xfrm>
+      </p:grpSpPr>
+      <p:sp>
+        <p:nvSpPr>
+          <p:cNvPr id="2" name="Title 1">
+            <a:extLst>
+              <a:ext uri="{FF2B5EF4-FFF2-40B4-BE49-F238E27FC236}">
+                <a16:creationId xmlns:a16="http://schemas.microsoft.com/office/drawing/2014/main" xmlns="" id="{7FF52CD0-96BE-4B19-8989-EEF034F9D520}"/>
+              </a:ext>
+            </a:extLst>
+          </p:cNvPr>
+          <p:cNvSpPr>
+            <a:spLocks noGrp="1"/>
+          </p:cNvSpPr>
+          <p:nvPr>
+            <p:ph type="title"/>
+          </p:nvPr>
+        </p:nvSpPr>
+        <p:spPr>
+          <a:xfrm>
+            <a:off x="648929" y="1450259"/>
+            <a:ext cx="3753599" cy="1442153"/>
+          </a:xfrm>
+        </p:spPr>
+        <p:txBody>
+          <a:bodyPr>
+            <a:normAutofit/>
+          </a:bodyPr>
+          <a:lstStyle/>
+          <a:p>
+            <a:r>
+              <a:rPr lang="en-GB" sz="3600" dirty="0" smtClean="0"/>
+              <a:t>Level Design</a:t>
+            </a:r>
+            <a:endParaRPr lang="en-GB" sz="3600" dirty="0"/>
+          </a:p>
+        </p:txBody>
+      </p:sp>
+      <p:sp>
+        <p:nvSpPr>
+          <p:cNvPr id="10" name="Content Placeholder 9">
+            <a:extLst>
+              <a:ext uri="{FF2B5EF4-FFF2-40B4-BE49-F238E27FC236}">
+                <a16:creationId xmlns:a16="http://schemas.microsoft.com/office/drawing/2014/main" xmlns="" id="{8C102C19-81EA-472D-B74E-03AE69875CFE}"/>
+              </a:ext>
+            </a:extLst>
+          </p:cNvPr>
+          <p:cNvSpPr>
+            <a:spLocks noGrp="1"/>
+          </p:cNvSpPr>
+          <p:nvPr>
+            <p:ph idx="1"/>
+          </p:nvPr>
+        </p:nvSpPr>
+        <p:spPr>
+          <a:xfrm>
+            <a:off x="647700" y="3072385"/>
+            <a:ext cx="3754987" cy="2947415"/>
+          </a:xfrm>
+        </p:spPr>
+        <p:txBody>
+          <a:bodyPr>
+            <a:normAutofit/>
+          </a:bodyPr>
+          <a:lstStyle/>
+          <a:p>
+            <a:r>
+              <a:rPr lang="en-US" sz="1800" dirty="0"/>
+              <a:t>The first level is built in such manner so the player can learn the controls and how the game works.</a:t>
+            </a:r>
+          </a:p>
+          <a:p>
+            <a:r>
+              <a:rPr lang="en-US" sz="1800" dirty="0"/>
+              <a:t>The difficulty slowly rises as the player runs for the finish line.</a:t>
+            </a:r>
+          </a:p>
+        </p:txBody>
+      </p:sp>
+      <p:pic>
+        <p:nvPicPr>
+          <p:cNvPr id="8" name="Content Placeholder 4">
+            <a:extLst>
+              <a:ext uri="{FF2B5EF4-FFF2-40B4-BE49-F238E27FC236}">
+                <a16:creationId xmlns:a16="http://schemas.microsoft.com/office/drawing/2014/main" xmlns="" id="{BA0B90EF-592F-409F-84E7-20823B370467}"/>
+              </a:ext>
+            </a:extLst>
+          </p:cNvPr>
+          <p:cNvPicPr>
+            <a:picLocks noChangeAspect="1"/>
+          </p:cNvPicPr>
+          <p:nvPr/>
+        </p:nvPicPr>
+        <p:blipFill rotWithShape="1">
+          <a:blip r:embed="rId2"/>
+          <a:srcRect l="20104"/>
+          <a:stretch/>
+        </p:blipFill>
+        <p:spPr>
+          <a:xfrm>
+            <a:off x="5050388" y="1448663"/>
+            <a:ext cx="6492683" cy="4571137"/>
+          </a:xfrm>
+          <a:prstGeom prst="rect">
+            <a:avLst/>
+          </a:prstGeom>
+          <a:solidFill>
+            <a:srgbClr val="FFFFFF">
+              <a:shade val="85000"/>
+            </a:srgbClr>
+          </a:solidFill>
+          <a:ln w="88900" cap="sq">
+            <a:solidFill>
+              <a:srgbClr val="FFFFFF"/>
+            </a:solidFill>
+            <a:miter lim="800000"/>
+          </a:ln>
+          <a:effectLst>
+            <a:outerShdw blurRad="55000" dist="18000" dir="5400000" algn="tl" rotWithShape="0">
+              <a:srgbClr val="000000">
+                <a:alpha val="40000"/>
+              </a:srgbClr>
+            </a:outerShdw>
+          </a:effectLst>
+          <a:scene3d>
+            <a:camera prst="orthographicFront"/>
+            <a:lightRig rig="twoPt" dir="t">
+              <a:rot lat="0" lon="0" rev="7200000"/>
+            </a:lightRig>
+          </a:scene3d>
+          <a:sp3d>
+            <a:bevelT w="25400" h="19050"/>
+            <a:contourClr>
+              <a:srgbClr val="FFFFFF"/>
+            </a:contourClr>
+          </a:sp3d>
+        </p:spPr>
+      </p:pic>
+      <p:pic>
+        <p:nvPicPr>
+          <p:cNvPr id="6" name="Picture 5">
+            <a:extLst>
+              <a:ext uri="{FF2B5EF4-FFF2-40B4-BE49-F238E27FC236}">
+                <a16:creationId xmlns:a16="http://schemas.microsoft.com/office/drawing/2014/main" xmlns="" id="{F70B7F75-AF3A-471F-AB11-88BA495CA3B1}"/>
+              </a:ext>
+            </a:extLst>
+          </p:cNvPr>
+          <p:cNvPicPr>
+            <a:picLocks noChangeAspect="1"/>
+          </p:cNvPicPr>
+          <p:nvPr/>
+        </p:nvPicPr>
+        <p:blipFill>
+          <a:blip r:embed="rId2"/>
+          <a:stretch>
+            <a:fillRect/>
+          </a:stretch>
+        </p:blipFill>
+        <p:spPr>
+          <a:xfrm>
+            <a:off x="4637315" y="1310950"/>
+            <a:ext cx="7554686" cy="4781939"/>
+          </a:xfrm>
+          <a:prstGeom prst="rect">
+            <a:avLst/>
+          </a:prstGeom>
+        </p:spPr>
+      </p:pic>
+    </p:spTree>
+    <p:extLst>
+      <p:ext uri="{BB962C8B-B14F-4D97-AF65-F5344CB8AC3E}">
+        <p14:creationId xmlns:p14="http://schemas.microsoft.com/office/powerpoint/2010/main" val="1390452791"/>
       </p:ext>
     </p:extLst>
   </p:cSld>
